--- a/3_proj_check.pptx
+++ b/3_proj_check.pptx
@@ -199,7 +199,7 @@
           <a:p>
             <a:fld id="{5B9F9D6C-9AAE-D24E-86C8-004D1A7B7050}" type="datetimeFigureOut">
               <a:rPr lang="en-US" smtClean="0"/>
-              <a:t>4/23/22</a:t>
+              <a:t>4/28/22</a:t>
             </a:fld>
             <a:endParaRPr lang="en-US"/>
           </a:p>
@@ -613,7 +613,7 @@
           <a:p>
             <a:fld id="{70116841-CA28-DD40-BA5E-4C557F2499B6}" type="datetimeFigureOut">
               <a:rPr lang="en-US" smtClean="0"/>
-              <a:t>4/23/22</a:t>
+              <a:t>4/28/22</a:t>
             </a:fld>
             <a:endParaRPr lang="en-US"/>
           </a:p>
@@ -811,7 +811,7 @@
           <a:p>
             <a:fld id="{70116841-CA28-DD40-BA5E-4C557F2499B6}" type="datetimeFigureOut">
               <a:rPr lang="en-US" smtClean="0"/>
-              <a:t>4/23/22</a:t>
+              <a:t>4/28/22</a:t>
             </a:fld>
             <a:endParaRPr lang="en-US"/>
           </a:p>
@@ -1019,7 +1019,7 @@
           <a:p>
             <a:fld id="{70116841-CA28-DD40-BA5E-4C557F2499B6}" type="datetimeFigureOut">
               <a:rPr lang="en-US" smtClean="0"/>
-              <a:t>4/23/22</a:t>
+              <a:t>4/28/22</a:t>
             </a:fld>
             <a:endParaRPr lang="en-US"/>
           </a:p>
@@ -1217,7 +1217,7 @@
           <a:p>
             <a:fld id="{70116841-CA28-DD40-BA5E-4C557F2499B6}" type="datetimeFigureOut">
               <a:rPr lang="en-US" smtClean="0"/>
-              <a:t>4/23/22</a:t>
+              <a:t>4/28/22</a:t>
             </a:fld>
             <a:endParaRPr lang="en-US"/>
           </a:p>
@@ -1492,7 +1492,7 @@
           <a:p>
             <a:fld id="{70116841-CA28-DD40-BA5E-4C557F2499B6}" type="datetimeFigureOut">
               <a:rPr lang="en-US" smtClean="0"/>
-              <a:t>4/23/22</a:t>
+              <a:t>4/28/22</a:t>
             </a:fld>
             <a:endParaRPr lang="en-US"/>
           </a:p>
@@ -1757,7 +1757,7 @@
           <a:p>
             <a:fld id="{70116841-CA28-DD40-BA5E-4C557F2499B6}" type="datetimeFigureOut">
               <a:rPr lang="en-US" smtClean="0"/>
-              <a:t>4/23/22</a:t>
+              <a:t>4/28/22</a:t>
             </a:fld>
             <a:endParaRPr lang="en-US"/>
           </a:p>
@@ -2169,7 +2169,7 @@
           <a:p>
             <a:fld id="{70116841-CA28-DD40-BA5E-4C557F2499B6}" type="datetimeFigureOut">
               <a:rPr lang="en-US" smtClean="0"/>
-              <a:t>4/23/22</a:t>
+              <a:t>4/28/22</a:t>
             </a:fld>
             <a:endParaRPr lang="en-US"/>
           </a:p>
@@ -2310,7 +2310,7 @@
           <a:p>
             <a:fld id="{70116841-CA28-DD40-BA5E-4C557F2499B6}" type="datetimeFigureOut">
               <a:rPr lang="en-US" smtClean="0"/>
-              <a:t>4/23/22</a:t>
+              <a:t>4/28/22</a:t>
             </a:fld>
             <a:endParaRPr lang="en-US"/>
           </a:p>
@@ -2423,7 +2423,7 @@
           <a:p>
             <a:fld id="{70116841-CA28-DD40-BA5E-4C557F2499B6}" type="datetimeFigureOut">
               <a:rPr lang="en-US" smtClean="0"/>
-              <a:t>4/23/22</a:t>
+              <a:t>4/28/22</a:t>
             </a:fld>
             <a:endParaRPr lang="en-US"/>
           </a:p>
@@ -2734,7 +2734,7 @@
           <a:p>
             <a:fld id="{70116841-CA28-DD40-BA5E-4C557F2499B6}" type="datetimeFigureOut">
               <a:rPr lang="en-US" smtClean="0"/>
-              <a:t>4/23/22</a:t>
+              <a:t>4/28/22</a:t>
             </a:fld>
             <a:endParaRPr lang="en-US"/>
           </a:p>
@@ -3022,7 +3022,7 @@
           <a:p>
             <a:fld id="{70116841-CA28-DD40-BA5E-4C557F2499B6}" type="datetimeFigureOut">
               <a:rPr lang="en-US" smtClean="0"/>
-              <a:t>4/23/22</a:t>
+              <a:t>4/28/22</a:t>
             </a:fld>
             <a:endParaRPr lang="en-US"/>
           </a:p>
@@ -3263,7 +3263,7 @@
           <a:p>
             <a:fld id="{70116841-CA28-DD40-BA5E-4C557F2499B6}" type="datetimeFigureOut">
               <a:rPr lang="en-US" smtClean="0"/>
-              <a:t>4/23/22</a:t>
+              <a:t>4/28/22</a:t>
             </a:fld>
             <a:endParaRPr lang="en-US"/>
           </a:p>
